--- a/2 лекция/ОИ Linux консоль.pptx
+++ b/2 лекция/ОИ Linux консоль.pptx
@@ -8154,7 +8154,7 @@
             </a:br>
             <a:r>
               <a:rPr sz="1800" b="0"/>
-              <a:t>cat /etc/groups</a:t>
+              <a:t>cat /etc/group</a:t>
             </a:r>
             <a:endParaRPr sz="1800" b="0"/>
           </a:p>
